--- a/routing/slides2.pptx
+++ b/routing/slides2.pptx
@@ -8,13 +8,14 @@
     <p:sldId id="256" r:id="rId2"/>
     <p:sldId id="257" r:id="rId3"/>
     <p:sldId id="261" r:id="rId4"/>
-    <p:sldId id="263" r:id="rId5"/>
-    <p:sldId id="258" r:id="rId6"/>
-    <p:sldId id="259" r:id="rId7"/>
-    <p:sldId id="264" r:id="rId8"/>
-    <p:sldId id="260" r:id="rId9"/>
-    <p:sldId id="265" r:id="rId10"/>
-    <p:sldId id="262" r:id="rId11"/>
+    <p:sldId id="266" r:id="rId5"/>
+    <p:sldId id="263" r:id="rId6"/>
+    <p:sldId id="258" r:id="rId7"/>
+    <p:sldId id="259" r:id="rId8"/>
+    <p:sldId id="264" r:id="rId9"/>
+    <p:sldId id="260" r:id="rId10"/>
+    <p:sldId id="265" r:id="rId11"/>
+    <p:sldId id="262" r:id="rId12"/>
   </p:sldIdLst>
   <p:sldSz cx="9144000" cy="6858000" type="screen4x3"/>
   <p:notesSz cx="6858000" cy="9144000"/>
@@ -3231,6 +3232,108 @@
           <a:p>
             <a:r>
               <a:rPr lang="en-US" dirty="0" smtClean="0"/>
+              <a:t>Private parts</a:t>
+            </a:r>
+            <a:endParaRPr lang="ru-RU" dirty="0"/>
+          </a:p>
+        </p:txBody>
+      </p:sp>
+      <p:sp>
+        <p:nvSpPr>
+          <p:cNvPr id="3" name="Содержимое 2"/>
+          <p:cNvSpPr>
+            <a:spLocks noGrp="1"/>
+          </p:cNvSpPr>
+          <p:nvPr>
+            <p:ph idx="1"/>
+          </p:nvPr>
+        </p:nvSpPr>
+        <p:spPr/>
+        <p:txBody>
+          <a:bodyPr/>
+          <a:lstStyle/>
+          <a:p>
+            <a:endParaRPr lang="ru-RU"/>
+          </a:p>
+        </p:txBody>
+      </p:sp>
+      <p:pic>
+        <p:nvPicPr>
+          <p:cNvPr id="4" name="Изображение 3" descr="Screenshot 2016-11-09 03.31.34.png"/>
+          <p:cNvPicPr>
+            <a:picLocks noChangeAspect="1"/>
+          </p:cNvPicPr>
+          <p:nvPr/>
+        </p:nvPicPr>
+        <p:blipFill>
+          <a:blip r:embed="rId2">
+            <a:extLst>
+              <a:ext uri="{28A0092B-C50C-407E-A947-70E740481C1C}">
+                <a14:useLocalDpi xmlns:a14="http://schemas.microsoft.com/office/drawing/2010/main" val="0"/>
+              </a:ext>
+            </a:extLst>
+          </a:blip>
+          <a:stretch>
+            <a:fillRect/>
+          </a:stretch>
+        </p:blipFill>
+        <p:spPr>
+          <a:xfrm>
+            <a:off x="609600" y="1233905"/>
+            <a:ext cx="8077200" cy="5232400"/>
+          </a:xfrm>
+          <a:prstGeom prst="rect">
+            <a:avLst/>
+          </a:prstGeom>
+        </p:spPr>
+      </p:pic>
+    </p:spTree>
+    <p:extLst>
+      <p:ext uri="{BB962C8B-B14F-4D97-AF65-F5344CB8AC3E}">
+        <p14:creationId xmlns:p14="http://schemas.microsoft.com/office/powerpoint/2010/main" val="4285951129"/>
+      </p:ext>
+    </p:extLst>
+  </p:cSld>
+  <p:clrMapOvr>
+    <a:masterClrMapping/>
+  </p:clrMapOvr>
+</p:sld>
+</file>
+
+<file path=ppt/slides/slide11.xml><?xml version="1.0" encoding="utf-8"?>
+<p:sld xmlns:a="http://schemas.openxmlformats.org/drawingml/2006/main" xmlns:r="http://schemas.openxmlformats.org/officeDocument/2006/relationships" xmlns:p="http://schemas.openxmlformats.org/presentationml/2006/main">
+  <p:cSld>
+    <p:spTree>
+      <p:nvGrpSpPr>
+        <p:cNvPr id="1" name=""/>
+        <p:cNvGrpSpPr/>
+        <p:nvPr/>
+      </p:nvGrpSpPr>
+      <p:grpSpPr>
+        <a:xfrm>
+          <a:off x="0" y="0"/>
+          <a:ext cx="0" cy="0"/>
+          <a:chOff x="0" y="0"/>
+          <a:chExt cx="0" cy="0"/>
+        </a:xfrm>
+      </p:grpSpPr>
+      <p:sp>
+        <p:nvSpPr>
+          <p:cNvPr id="2" name="Название 1"/>
+          <p:cNvSpPr>
+            <a:spLocks noGrp="1"/>
+          </p:cNvSpPr>
+          <p:nvPr>
+            <p:ph type="title"/>
+          </p:nvPr>
+        </p:nvSpPr>
+        <p:spPr/>
+        <p:txBody>
+          <a:bodyPr/>
+          <a:lstStyle/>
+          <a:p>
+            <a:r>
+              <a:rPr lang="en-US" dirty="0" smtClean="0"/>
               <a:t>Try it!</a:t>
             </a:r>
             <a:endParaRPr lang="ru-RU" dirty="0"/>
@@ -3695,6 +3798,200 @@
       </p:sp>
       <p:pic>
         <p:nvPicPr>
+          <p:cNvPr id="4" name="Изображение 3" descr="Screenshot 2016-11-09 04.25.06.png"/>
+          <p:cNvPicPr>
+            <a:picLocks noChangeAspect="1"/>
+          </p:cNvPicPr>
+          <p:nvPr/>
+        </p:nvPicPr>
+        <p:blipFill>
+          <a:blip r:embed="rId2">
+            <a:extLst>
+              <a:ext uri="{28A0092B-C50C-407E-A947-70E740481C1C}">
+                <a14:useLocalDpi xmlns:a14="http://schemas.microsoft.com/office/drawing/2010/main" val="0"/>
+              </a:ext>
+            </a:extLst>
+          </a:blip>
+          <a:stretch>
+            <a:fillRect/>
+          </a:stretch>
+        </p:blipFill>
+        <p:spPr>
+          <a:xfrm>
+            <a:off x="0" y="80208"/>
+            <a:ext cx="9144000" cy="6722720"/>
+          </a:xfrm>
+          <a:prstGeom prst="rect">
+            <a:avLst/>
+          </a:prstGeom>
+        </p:spPr>
+      </p:pic>
+      <p:sp>
+        <p:nvSpPr>
+          <p:cNvPr id="5" name="TextBox 4"/>
+          <p:cNvSpPr txBox="1"/>
+          <p:nvPr/>
+        </p:nvSpPr>
+        <p:spPr>
+          <a:xfrm>
+            <a:off x="5120105" y="481263"/>
+            <a:ext cx="3168316" cy="1477328"/>
+          </a:xfrm>
+          <a:prstGeom prst="rect">
+            <a:avLst/>
+          </a:prstGeom>
+          <a:noFill/>
+        </p:spPr>
+        <p:txBody>
+          <a:bodyPr wrap="square" rtlCol="0">
+            <a:spAutoFit/>
+          </a:bodyPr>
+          <a:lstStyle/>
+          <a:p>
+            <a:r>
+              <a:rPr lang="ru-RU" dirty="0" smtClean="0"/>
+              <a:t>вводится не плоская система</a:t>
+            </a:r>
+          </a:p>
+          <a:p>
+            <a:r>
+              <a:rPr lang="ru-RU" dirty="0" smtClean="0"/>
+              <a:t>маршрутов</a:t>
+            </a:r>
+          </a:p>
+          <a:p>
+            <a:r>
+              <a:rPr lang="ru-RU" dirty="0" smtClean="0"/>
+              <a:t>а иерархическая</a:t>
+            </a:r>
+          </a:p>
+          <a:p>
+            <a:r>
+              <a:rPr lang="ru-RU" dirty="0" smtClean="0"/>
+              <a:t>каждый маршрутизатор</a:t>
+            </a:r>
+          </a:p>
+          <a:p>
+            <a:r>
+              <a:rPr lang="ru-RU" dirty="0" smtClean="0"/>
+              <a:t>отвечает за своё поддерево</a:t>
+            </a:r>
+            <a:endParaRPr lang="ru-RU" dirty="0"/>
+          </a:p>
+        </p:txBody>
+      </p:sp>
+      <p:sp>
+        <p:nvSpPr>
+          <p:cNvPr id="6" name="TextBox 5"/>
+          <p:cNvSpPr txBox="1"/>
+          <p:nvPr/>
+        </p:nvSpPr>
+        <p:spPr>
+          <a:xfrm>
+            <a:off x="457200" y="5213684"/>
+            <a:ext cx="1855537" cy="1200329"/>
+          </a:xfrm>
+          <a:prstGeom prst="rect">
+            <a:avLst/>
+          </a:prstGeom>
+          <a:noFill/>
+        </p:spPr>
+        <p:txBody>
+          <a:bodyPr wrap="square" rtlCol="0">
+            <a:spAutoFit/>
+          </a:bodyPr>
+          <a:lstStyle/>
+          <a:p>
+            <a:r>
+              <a:rPr lang="ru-RU" dirty="0" smtClean="0"/>
+              <a:t>см. динамическое</a:t>
+            </a:r>
+          </a:p>
+          <a:p>
+            <a:r>
+              <a:rPr lang="ru-RU" dirty="0" smtClean="0"/>
+              <a:t>подключение</a:t>
+            </a:r>
+          </a:p>
+          <a:p>
+            <a:r>
+              <a:rPr lang="ru-RU" dirty="0" smtClean="0"/>
+              <a:t>маршрутов</a:t>
+            </a:r>
+            <a:endParaRPr lang="ru-RU" dirty="0"/>
+          </a:p>
+        </p:txBody>
+      </p:sp>
+    </p:spTree>
+    <p:extLst>
+      <p:ext uri="{BB962C8B-B14F-4D97-AF65-F5344CB8AC3E}">
+        <p14:creationId xmlns:p14="http://schemas.microsoft.com/office/powerpoint/2010/main" val="519839829"/>
+      </p:ext>
+    </p:extLst>
+  </p:cSld>
+  <p:clrMapOvr>
+    <a:masterClrMapping/>
+  </p:clrMapOvr>
+</p:sld>
+</file>
+
+<file path=ppt/slides/slide5.xml><?xml version="1.0" encoding="utf-8"?>
+<p:sld xmlns:a="http://schemas.openxmlformats.org/drawingml/2006/main" xmlns:r="http://schemas.openxmlformats.org/officeDocument/2006/relationships" xmlns:p="http://schemas.openxmlformats.org/presentationml/2006/main">
+  <p:cSld>
+    <p:spTree>
+      <p:nvGrpSpPr>
+        <p:cNvPr id="1" name=""/>
+        <p:cNvGrpSpPr/>
+        <p:nvPr/>
+      </p:nvGrpSpPr>
+      <p:grpSpPr>
+        <a:xfrm>
+          <a:off x="0" y="0"/>
+          <a:ext cx="0" cy="0"/>
+          <a:chOff x="0" y="0"/>
+          <a:chExt cx="0" cy="0"/>
+        </a:xfrm>
+      </p:grpSpPr>
+      <p:sp>
+        <p:nvSpPr>
+          <p:cNvPr id="2" name="Название 1"/>
+          <p:cNvSpPr>
+            <a:spLocks noGrp="1"/>
+          </p:cNvSpPr>
+          <p:nvPr>
+            <p:ph type="title"/>
+          </p:nvPr>
+        </p:nvSpPr>
+        <p:spPr/>
+        <p:txBody>
+          <a:bodyPr/>
+          <a:lstStyle/>
+          <a:p>
+            <a:endParaRPr lang="ru-RU"/>
+          </a:p>
+        </p:txBody>
+      </p:sp>
+      <p:sp>
+        <p:nvSpPr>
+          <p:cNvPr id="3" name="Содержимое 2"/>
+          <p:cNvSpPr>
+            <a:spLocks noGrp="1"/>
+          </p:cNvSpPr>
+          <p:nvPr>
+            <p:ph idx="1"/>
+          </p:nvPr>
+        </p:nvSpPr>
+        <p:spPr/>
+        <p:txBody>
+          <a:bodyPr/>
+          <a:lstStyle/>
+          <a:p>
+            <a:endParaRPr lang="ru-RU"/>
+          </a:p>
+        </p:txBody>
+      </p:sp>
+      <p:pic>
+        <p:nvPicPr>
           <p:cNvPr id="5" name="Изображение 4" descr="Screenshot 2016-11-09 03.12.25.png"/>
           <p:cNvPicPr>
             <a:picLocks noChangeAspect="1"/>
@@ -3736,7 +4033,7 @@
 </p:sld>
 </file>
 
-<file path=ppt/slides/slide5.xml><?xml version="1.0" encoding="utf-8"?>
+<file path=ppt/slides/slide6.xml><?xml version="1.0" encoding="utf-8"?>
 <p:sld xmlns:a="http://schemas.openxmlformats.org/drawingml/2006/main" xmlns:r="http://schemas.openxmlformats.org/officeDocument/2006/relationships" xmlns:p="http://schemas.openxmlformats.org/presentationml/2006/main">
   <p:cSld>
     <p:spTree>
@@ -3840,7 +4137,7 @@
 </p:sld>
 </file>
 
-<file path=ppt/slides/slide6.xml><?xml version="1.0" encoding="utf-8"?>
+<file path=ppt/slides/slide7.xml><?xml version="1.0" encoding="utf-8"?>
 <p:sld xmlns:a="http://schemas.openxmlformats.org/drawingml/2006/main" xmlns:r="http://schemas.openxmlformats.org/officeDocument/2006/relationships" xmlns:p="http://schemas.openxmlformats.org/presentationml/2006/main">
   <p:cSld>
     <p:spTree>
@@ -3953,7 +4250,7 @@
 </p:sld>
 </file>
 
-<file path=ppt/slides/slide7.xml><?xml version="1.0" encoding="utf-8"?>
+<file path=ppt/slides/slide8.xml><?xml version="1.0" encoding="utf-8"?>
 <p:sld xmlns:a="http://schemas.openxmlformats.org/drawingml/2006/main" xmlns:r="http://schemas.openxmlformats.org/officeDocument/2006/relationships" xmlns:p="http://schemas.openxmlformats.org/presentationml/2006/main">
   <p:cSld>
     <p:spTree>
@@ -4055,7 +4352,7 @@
 </p:sld>
 </file>
 
-<file path=ppt/slides/slide8.xml><?xml version="1.0" encoding="utf-8"?>
+<file path=ppt/slides/slide9.xml><?xml version="1.0" encoding="utf-8"?>
 <p:sld xmlns:a="http://schemas.openxmlformats.org/drawingml/2006/main" xmlns:r="http://schemas.openxmlformats.org/officeDocument/2006/relationships" xmlns:p="http://schemas.openxmlformats.org/presentationml/2006/main">
   <p:cSld>
     <p:spTree>
@@ -4138,108 +4435,6 @@
     <p:extLst>
       <p:ext uri="{BB962C8B-B14F-4D97-AF65-F5344CB8AC3E}">
         <p14:creationId xmlns:p14="http://schemas.microsoft.com/office/powerpoint/2010/main" val="3250239182"/>
-      </p:ext>
-    </p:extLst>
-  </p:cSld>
-  <p:clrMapOvr>
-    <a:masterClrMapping/>
-  </p:clrMapOvr>
-</p:sld>
-</file>
-
-<file path=ppt/slides/slide9.xml><?xml version="1.0" encoding="utf-8"?>
-<p:sld xmlns:a="http://schemas.openxmlformats.org/drawingml/2006/main" xmlns:r="http://schemas.openxmlformats.org/officeDocument/2006/relationships" xmlns:p="http://schemas.openxmlformats.org/presentationml/2006/main">
-  <p:cSld>
-    <p:spTree>
-      <p:nvGrpSpPr>
-        <p:cNvPr id="1" name=""/>
-        <p:cNvGrpSpPr/>
-        <p:nvPr/>
-      </p:nvGrpSpPr>
-      <p:grpSpPr>
-        <a:xfrm>
-          <a:off x="0" y="0"/>
-          <a:ext cx="0" cy="0"/>
-          <a:chOff x="0" y="0"/>
-          <a:chExt cx="0" cy="0"/>
-        </a:xfrm>
-      </p:grpSpPr>
-      <p:sp>
-        <p:nvSpPr>
-          <p:cNvPr id="2" name="Название 1"/>
-          <p:cNvSpPr>
-            <a:spLocks noGrp="1"/>
-          </p:cNvSpPr>
-          <p:nvPr>
-            <p:ph type="title"/>
-          </p:nvPr>
-        </p:nvSpPr>
-        <p:spPr/>
-        <p:txBody>
-          <a:bodyPr/>
-          <a:lstStyle/>
-          <a:p>
-            <a:r>
-              <a:rPr lang="en-US" dirty="0" smtClean="0"/>
-              <a:t>Private parts</a:t>
-            </a:r>
-            <a:endParaRPr lang="ru-RU" dirty="0"/>
-          </a:p>
-        </p:txBody>
-      </p:sp>
-      <p:sp>
-        <p:nvSpPr>
-          <p:cNvPr id="3" name="Содержимое 2"/>
-          <p:cNvSpPr>
-            <a:spLocks noGrp="1"/>
-          </p:cNvSpPr>
-          <p:nvPr>
-            <p:ph idx="1"/>
-          </p:nvPr>
-        </p:nvSpPr>
-        <p:spPr/>
-        <p:txBody>
-          <a:bodyPr/>
-          <a:lstStyle/>
-          <a:p>
-            <a:endParaRPr lang="ru-RU"/>
-          </a:p>
-        </p:txBody>
-      </p:sp>
-      <p:pic>
-        <p:nvPicPr>
-          <p:cNvPr id="4" name="Изображение 3" descr="Screenshot 2016-11-09 03.31.34.png"/>
-          <p:cNvPicPr>
-            <a:picLocks noChangeAspect="1"/>
-          </p:cNvPicPr>
-          <p:nvPr/>
-        </p:nvPicPr>
-        <p:blipFill>
-          <a:blip r:embed="rId2">
-            <a:extLst>
-              <a:ext uri="{28A0092B-C50C-407E-A947-70E740481C1C}">
-                <a14:useLocalDpi xmlns:a14="http://schemas.microsoft.com/office/drawing/2010/main" val="0"/>
-              </a:ext>
-            </a:extLst>
-          </a:blip>
-          <a:stretch>
-            <a:fillRect/>
-          </a:stretch>
-        </p:blipFill>
-        <p:spPr>
-          <a:xfrm>
-            <a:off x="609600" y="1233905"/>
-            <a:ext cx="8077200" cy="5232400"/>
-          </a:xfrm>
-          <a:prstGeom prst="rect">
-            <a:avLst/>
-          </a:prstGeom>
-        </p:spPr>
-      </p:pic>
-    </p:spTree>
-    <p:extLst>
-      <p:ext uri="{BB962C8B-B14F-4D97-AF65-F5344CB8AC3E}">
-        <p14:creationId xmlns:p14="http://schemas.microsoft.com/office/powerpoint/2010/main" val="4285951129"/>
       </p:ext>
     </p:extLst>
   </p:cSld>
